--- a/Day 4/slide/Esercitazione.pptx
+++ b/Day 4/slide/Esercitazione.pptx
@@ -2349,8 +2349,13 @@
             </a:r>
             <a:r>
               <a:rPr lang="it-IT" dirty="0"/>
-              <a:t>iungere tutte le dipendenze necessarie per Lombok</a:t>
+              <a:t>iungere tutte le dipendenze </a:t>
             </a:r>
+            <a:r>
+              <a:rPr lang="it-IT"/>
+              <a:t>necessarie Lombok</a:t>
+            </a:r>
+            <a:endParaRPr lang="it-IT" dirty="0"/>
           </a:p>
           <a:p>
             <a:pPr lvl="1"/>
